--- a/img/Presentation1.pptx
+++ b/img/Presentation1.pptx
@@ -3469,7 +3469,7 @@
         <p:spPr>
           <a:xfrm>
             <a:off x="8428383" y="5874026"/>
-            <a:ext cx="2301912" cy="461665"/>
+            <a:ext cx="2660985" cy="523220"/>
           </a:xfrm>
           <a:prstGeom prst="rect">
             <a:avLst/>
@@ -3483,7 +3483,7 @@
           <a:lstStyle/>
           <a:p>
             <a:r>
-              <a:rPr lang="en-US" sz="2400" dirty="0"/>
+              <a:rPr lang="en-US" sz="2800" dirty="0"/>
               <a:t>2. Make a Post!!!</a:t>
             </a:r>
           </a:p>
